--- a/Tugas Akhir.pptx
+++ b/Tugas Akhir.pptx
@@ -8,6 +8,7 @@
     <p:sldId id="256" r:id="rId2"/>
     <p:sldId id="257" r:id="rId3"/>
     <p:sldId id="258" r:id="rId4"/>
+    <p:sldId id="259" r:id="rId5"/>
   </p:sldIdLst>
   <p:sldSz cx="12192000" cy="6858000"/>
   <p:notesSz cx="6858000" cy="9144000"/>
@@ -106,6 +107,11 @@
       </a:defRPr>
     </a:lvl9pPr>
   </p:defaultTextStyle>
+  <p:extLst>
+    <p:ext uri="{EFAFB233-063F-42B5-8137-9DF3F51BA10A}">
+      <p15:sldGuideLst xmlns:p15="http://schemas.microsoft.com/office/powerpoint/2012/main"/>
+    </p:ext>
+  </p:extLst>
 </p:presentation>
 </file>
 
@@ -268,7 +274,7 @@
           <a:p>
             <a:fld id="{0C9DC0FD-6967-475B-9B39-D51232A47196}" type="datetimeFigureOut">
               <a:rPr lang="en-US" smtClean="0"/>
-              <a:t>6/18/2019</a:t>
+              <a:t>6/24/2019</a:t>
             </a:fld>
             <a:endParaRPr lang="en-US" dirty="0"/>
           </a:p>
@@ -466,7 +472,7 @@
           <a:p>
             <a:fld id="{0C9DC0FD-6967-475B-9B39-D51232A47196}" type="datetimeFigureOut">
               <a:rPr lang="en-US" smtClean="0"/>
-              <a:t>6/18/2019</a:t>
+              <a:t>6/24/2019</a:t>
             </a:fld>
             <a:endParaRPr lang="en-US" dirty="0"/>
           </a:p>
@@ -674,7 +680,7 @@
           <a:p>
             <a:fld id="{0C9DC0FD-6967-475B-9B39-D51232A47196}" type="datetimeFigureOut">
               <a:rPr lang="en-US" smtClean="0"/>
-              <a:t>6/18/2019</a:t>
+              <a:t>6/24/2019</a:t>
             </a:fld>
             <a:endParaRPr lang="en-US" dirty="0"/>
           </a:p>
@@ -872,7 +878,7 @@
           <a:p>
             <a:fld id="{0C9DC0FD-6967-475B-9B39-D51232A47196}" type="datetimeFigureOut">
               <a:rPr lang="en-US" smtClean="0"/>
-              <a:t>6/18/2019</a:t>
+              <a:t>6/24/2019</a:t>
             </a:fld>
             <a:endParaRPr lang="en-US" dirty="0"/>
           </a:p>
@@ -1147,7 +1153,7 @@
           <a:p>
             <a:fld id="{0C9DC0FD-6967-475B-9B39-D51232A47196}" type="datetimeFigureOut">
               <a:rPr lang="en-US" smtClean="0"/>
-              <a:t>6/18/2019</a:t>
+              <a:t>6/24/2019</a:t>
             </a:fld>
             <a:endParaRPr lang="en-US" dirty="0"/>
           </a:p>
@@ -1412,7 +1418,7 @@
           <a:p>
             <a:fld id="{0C9DC0FD-6967-475B-9B39-D51232A47196}" type="datetimeFigureOut">
               <a:rPr lang="en-US" smtClean="0"/>
-              <a:t>6/18/2019</a:t>
+              <a:t>6/24/2019</a:t>
             </a:fld>
             <a:endParaRPr lang="en-US" dirty="0"/>
           </a:p>
@@ -1824,7 +1830,7 @@
           <a:p>
             <a:fld id="{0C9DC0FD-6967-475B-9B39-D51232A47196}" type="datetimeFigureOut">
               <a:rPr lang="en-US" smtClean="0"/>
-              <a:t>6/18/2019</a:t>
+              <a:t>6/24/2019</a:t>
             </a:fld>
             <a:endParaRPr lang="en-US" dirty="0"/>
           </a:p>
@@ -1965,7 +1971,7 @@
           <a:p>
             <a:fld id="{0C9DC0FD-6967-475B-9B39-D51232A47196}" type="datetimeFigureOut">
               <a:rPr lang="en-US" smtClean="0"/>
-              <a:t>6/18/2019</a:t>
+              <a:t>6/24/2019</a:t>
             </a:fld>
             <a:endParaRPr lang="en-US" dirty="0"/>
           </a:p>
@@ -2078,7 +2084,7 @@
           <a:p>
             <a:fld id="{0C9DC0FD-6967-475B-9B39-D51232A47196}" type="datetimeFigureOut">
               <a:rPr lang="en-US" smtClean="0"/>
-              <a:t>6/18/2019</a:t>
+              <a:t>6/24/2019</a:t>
             </a:fld>
             <a:endParaRPr lang="en-US" dirty="0"/>
           </a:p>
@@ -2389,7 +2395,7 @@
           <a:p>
             <a:fld id="{0C9DC0FD-6967-475B-9B39-D51232A47196}" type="datetimeFigureOut">
               <a:rPr lang="en-US" smtClean="0"/>
-              <a:t>6/18/2019</a:t>
+              <a:t>6/24/2019</a:t>
             </a:fld>
             <a:endParaRPr lang="en-US" dirty="0"/>
           </a:p>
@@ -2677,7 +2683,7 @@
           <a:p>
             <a:fld id="{0C9DC0FD-6967-475B-9B39-D51232A47196}" type="datetimeFigureOut">
               <a:rPr lang="en-US" smtClean="0"/>
-              <a:t>6/18/2019</a:t>
+              <a:t>6/24/2019</a:t>
             </a:fld>
             <a:endParaRPr lang="en-US" dirty="0"/>
           </a:p>
@@ -2918,7 +2924,7 @@
           <a:p>
             <a:fld id="{0C9DC0FD-6967-475B-9B39-D51232A47196}" type="datetimeFigureOut">
               <a:rPr lang="en-US" smtClean="0"/>
-              <a:t>6/18/2019</a:t>
+              <a:t>6/24/2019</a:t>
             </a:fld>
             <a:endParaRPr lang="en-US" dirty="0"/>
           </a:p>
@@ -4750,6 +4756,563 @@
 </p:sld>
 </file>
 
+<file path=ppt/slides/slide4.xml><?xml version="1.0" encoding="utf-8"?>
+<p:sld xmlns:a="http://schemas.openxmlformats.org/drawingml/2006/main" xmlns:r="http://schemas.openxmlformats.org/officeDocument/2006/relationships" xmlns:p="http://schemas.openxmlformats.org/presentationml/2006/main">
+  <p:cSld>
+    <p:spTree>
+      <p:nvGrpSpPr>
+        <p:cNvPr id="1" name=""/>
+        <p:cNvGrpSpPr/>
+        <p:nvPr/>
+      </p:nvGrpSpPr>
+      <p:grpSpPr>
+        <a:xfrm>
+          <a:off x="0" y="0"/>
+          <a:ext cx="0" cy="0"/>
+          <a:chOff x="0" y="0"/>
+          <a:chExt cx="0" cy="0"/>
+        </a:xfrm>
+      </p:grpSpPr>
+      <p:sp>
+        <p:nvSpPr>
+          <p:cNvPr id="3" name="Content Placeholder 2">
+            <a:extLst>
+              <a:ext uri="{FF2B5EF4-FFF2-40B4-BE49-F238E27FC236}">
+                <a16:creationId xmlns:a16="http://schemas.microsoft.com/office/drawing/2014/main" id="{24506D57-6535-4ACA-B6A6-083D2A380247}"/>
+              </a:ext>
+            </a:extLst>
+          </p:cNvPr>
+          <p:cNvSpPr>
+            <a:spLocks noGrp="1"/>
+          </p:cNvSpPr>
+          <p:nvPr>
+            <p:ph idx="1"/>
+          </p:nvPr>
+        </p:nvSpPr>
+        <p:spPr/>
+        <p:txBody>
+          <a:bodyPr/>
+          <a:lstStyle/>
+          <a:p>
+            <a:endParaRPr lang="en-US" dirty="0"/>
+          </a:p>
+        </p:txBody>
+      </p:sp>
+      <p:sp>
+        <p:nvSpPr>
+          <p:cNvPr id="4" name="Title 1">
+            <a:extLst>
+              <a:ext uri="{FF2B5EF4-FFF2-40B4-BE49-F238E27FC236}">
+                <a16:creationId xmlns:a16="http://schemas.microsoft.com/office/drawing/2014/main" id="{717F6CB2-D7F4-4059-A89D-3E3DE93F2AF8}"/>
+              </a:ext>
+            </a:extLst>
+          </p:cNvPr>
+          <p:cNvSpPr txBox="1">
+            <a:spLocks/>
+          </p:cNvSpPr>
+          <p:nvPr/>
+        </p:nvSpPr>
+        <p:spPr>
+          <a:xfrm>
+            <a:off x="838200" y="365125"/>
+            <a:ext cx="10515600" cy="1325563"/>
+          </a:xfrm>
+          <a:prstGeom prst="rect">
+            <a:avLst/>
+          </a:prstGeom>
+        </p:spPr>
+        <p:txBody>
+          <a:bodyPr vert="horz" lIns="91440" tIns="45720" rIns="91440" bIns="45720" rtlCol="0" anchor="ctr">
+            <a:normAutofit/>
+          </a:bodyPr>
+          <a:lstStyle>
+            <a:lvl1pPr algn="l" defTabSz="914400" rtl="0" eaLnBrk="1" latinLnBrk="0" hangingPunct="1">
+              <a:lnSpc>
+                <a:spcPct val="90000"/>
+              </a:lnSpc>
+              <a:spcBef>
+                <a:spcPct val="0"/>
+              </a:spcBef>
+              <a:buNone/>
+              <a:defRPr sz="4400" kern="1200">
+                <a:solidFill>
+                  <a:schemeClr val="tx1"/>
+                </a:solidFill>
+                <a:latin typeface="+mj-lt"/>
+                <a:ea typeface="+mj-ea"/>
+                <a:cs typeface="+mj-cs"/>
+              </a:defRPr>
+            </a:lvl1pPr>
+          </a:lstStyle>
+          <a:p>
+            <a:r>
+              <a:rPr lang="en-US"/>
+              <a:t>Download File</a:t>
+            </a:r>
+            <a:endParaRPr lang="en-US" dirty="0"/>
+          </a:p>
+        </p:txBody>
+      </p:sp>
+      <p:pic>
+        <p:nvPicPr>
+          <p:cNvPr id="5" name="Picture 2" descr="User">
+            <a:extLst>
+              <a:ext uri="{FF2B5EF4-FFF2-40B4-BE49-F238E27FC236}">
+                <a16:creationId xmlns:a16="http://schemas.microsoft.com/office/drawing/2014/main" id="{FC778DD2-D96F-440B-9992-BB71CE81D806}"/>
+              </a:ext>
+            </a:extLst>
+          </p:cNvPr>
+          <p:cNvPicPr>
+            <a:picLocks noChangeAspect="1" noChangeArrowheads="1"/>
+          </p:cNvPicPr>
+          <p:nvPr/>
+        </p:nvPicPr>
+        <p:blipFill>
+          <a:blip r:embed="rId2">
+            <a:extLst>
+              <a:ext uri="{28A0092B-C50C-407E-A947-70E740481C1C}">
+                <a14:useLocalDpi xmlns:a14="http://schemas.microsoft.com/office/drawing/2010/main" val="0"/>
+              </a:ext>
+            </a:extLst>
+          </a:blip>
+          <a:srcRect/>
+          <a:stretch>
+            <a:fillRect/>
+          </a:stretch>
+        </p:blipFill>
+        <p:spPr bwMode="auto">
+          <a:xfrm>
+            <a:off x="1385676" y="2369243"/>
+            <a:ext cx="690343" cy="771752"/>
+          </a:xfrm>
+          <a:prstGeom prst="rect">
+            <a:avLst/>
+          </a:prstGeom>
+          <a:noFill/>
+          <a:extLst>
+            <a:ext uri="{909E8E84-426E-40DD-AFC4-6F175D3DCCD1}">
+              <a14:hiddenFill xmlns:a14="http://schemas.microsoft.com/office/drawing/2010/main">
+                <a:solidFill>
+                  <a:srgbClr val="FFFFFF"/>
+                </a:solidFill>
+              </a14:hiddenFill>
+            </a:ext>
+          </a:extLst>
+        </p:spPr>
+      </p:pic>
+      <p:pic>
+        <p:nvPicPr>
+          <p:cNvPr id="6" name="Picture 4" descr="Image result for file png">
+            <a:extLst>
+              <a:ext uri="{FF2B5EF4-FFF2-40B4-BE49-F238E27FC236}">
+                <a16:creationId xmlns:a16="http://schemas.microsoft.com/office/drawing/2014/main" id="{E7B8EE6C-9F5E-490D-98A9-47F9CEC99583}"/>
+              </a:ext>
+            </a:extLst>
+          </p:cNvPr>
+          <p:cNvPicPr>
+            <a:picLocks noChangeAspect="1" noChangeArrowheads="1"/>
+          </p:cNvPicPr>
+          <p:nvPr/>
+        </p:nvPicPr>
+        <p:blipFill>
+          <a:blip r:embed="rId3">
+            <a:extLst>
+              <a:ext uri="{28A0092B-C50C-407E-A947-70E740481C1C}">
+                <a14:useLocalDpi xmlns:a14="http://schemas.microsoft.com/office/drawing/2010/main" val="0"/>
+              </a:ext>
+            </a:extLst>
+          </a:blip>
+          <a:srcRect/>
+          <a:stretch>
+            <a:fillRect/>
+          </a:stretch>
+        </p:blipFill>
+        <p:spPr bwMode="auto">
+          <a:xfrm>
+            <a:off x="1474735" y="3280016"/>
+            <a:ext cx="786982" cy="786982"/>
+          </a:xfrm>
+          <a:prstGeom prst="rect">
+            <a:avLst/>
+          </a:prstGeom>
+          <a:noFill/>
+          <a:extLst>
+            <a:ext uri="{909E8E84-426E-40DD-AFC4-6F175D3DCCD1}">
+              <a14:hiddenFill xmlns:a14="http://schemas.microsoft.com/office/drawing/2010/main">
+                <a:solidFill>
+                  <a:srgbClr val="FFFFFF"/>
+                </a:solidFill>
+              </a14:hiddenFill>
+            </a:ext>
+          </a:extLst>
+        </p:spPr>
+      </p:pic>
+      <p:pic>
+        <p:nvPicPr>
+          <p:cNvPr id="7" name="Picture 6" descr="Related image">
+            <a:extLst>
+              <a:ext uri="{FF2B5EF4-FFF2-40B4-BE49-F238E27FC236}">
+                <a16:creationId xmlns:a16="http://schemas.microsoft.com/office/drawing/2014/main" id="{9996291F-B69C-4579-8F92-9DDC7BD5F0BB}"/>
+              </a:ext>
+            </a:extLst>
+          </p:cNvPr>
+          <p:cNvPicPr>
+            <a:picLocks noChangeAspect="1" noChangeArrowheads="1"/>
+          </p:cNvPicPr>
+          <p:nvPr/>
+        </p:nvPicPr>
+        <p:blipFill>
+          <a:blip r:embed="rId4">
+            <a:extLst>
+              <a:ext uri="{28A0092B-C50C-407E-A947-70E740481C1C}">
+                <a14:useLocalDpi xmlns:a14="http://schemas.microsoft.com/office/drawing/2010/main" val="0"/>
+              </a:ext>
+            </a:extLst>
+          </a:blip>
+          <a:srcRect/>
+          <a:stretch>
+            <a:fillRect/>
+          </a:stretch>
+        </p:blipFill>
+        <p:spPr bwMode="auto">
+          <a:xfrm>
+            <a:off x="6207133" y="3204861"/>
+            <a:ext cx="848640" cy="848640"/>
+          </a:xfrm>
+          <a:prstGeom prst="rect">
+            <a:avLst/>
+          </a:prstGeom>
+          <a:noFill/>
+          <a:extLst>
+            <a:ext uri="{909E8E84-426E-40DD-AFC4-6F175D3DCCD1}">
+              <a14:hiddenFill xmlns:a14="http://schemas.microsoft.com/office/drawing/2010/main">
+                <a:solidFill>
+                  <a:srgbClr val="FFFFFF"/>
+                </a:solidFill>
+              </a14:hiddenFill>
+            </a:ext>
+          </a:extLst>
+        </p:spPr>
+      </p:pic>
+      <p:pic>
+        <p:nvPicPr>
+          <p:cNvPr id="8" name="Picture 8" descr="https://library.kissclipart.com/20180830/iq/kissclipart-encrypted-file-icon-png-clipart-encryption-compute-d0a5a38175613c07.png">
+            <a:extLst>
+              <a:ext uri="{FF2B5EF4-FFF2-40B4-BE49-F238E27FC236}">
+                <a16:creationId xmlns:a16="http://schemas.microsoft.com/office/drawing/2014/main" id="{1A9B6491-75FA-4F49-9A71-58747112F233}"/>
+              </a:ext>
+            </a:extLst>
+          </p:cNvPr>
+          <p:cNvPicPr>
+            <a:picLocks noChangeAspect="1" noChangeArrowheads="1"/>
+          </p:cNvPicPr>
+          <p:nvPr/>
+        </p:nvPicPr>
+        <p:blipFill>
+          <a:blip r:embed="rId5">
+            <a:extLst>
+              <a:ext uri="{28A0092B-C50C-407E-A947-70E740481C1C}">
+                <a14:useLocalDpi xmlns:a14="http://schemas.microsoft.com/office/drawing/2010/main" val="0"/>
+              </a:ext>
+            </a:extLst>
+          </a:blip>
+          <a:srcRect/>
+          <a:stretch>
+            <a:fillRect/>
+          </a:stretch>
+        </p:blipFill>
+        <p:spPr bwMode="auto">
+          <a:xfrm>
+            <a:off x="9842217" y="2855696"/>
+            <a:ext cx="848640" cy="848640"/>
+          </a:xfrm>
+          <a:prstGeom prst="rect">
+            <a:avLst/>
+          </a:prstGeom>
+          <a:noFill/>
+          <a:extLst>
+            <a:ext uri="{909E8E84-426E-40DD-AFC4-6F175D3DCCD1}">
+              <a14:hiddenFill xmlns:a14="http://schemas.microsoft.com/office/drawing/2010/main">
+                <a:solidFill>
+                  <a:srgbClr val="FFFFFF"/>
+                </a:solidFill>
+              </a14:hiddenFill>
+            </a:ext>
+          </a:extLst>
+        </p:spPr>
+      </p:pic>
+      <p:sp>
+        <p:nvSpPr>
+          <p:cNvPr id="9" name="TextBox 8">
+            <a:extLst>
+              <a:ext uri="{FF2B5EF4-FFF2-40B4-BE49-F238E27FC236}">
+                <a16:creationId xmlns:a16="http://schemas.microsoft.com/office/drawing/2014/main" id="{7DF831C0-9022-486C-8CC0-37BBE52D2D60}"/>
+              </a:ext>
+            </a:extLst>
+          </p:cNvPr>
+          <p:cNvSpPr txBox="1"/>
+          <p:nvPr/>
+        </p:nvSpPr>
+        <p:spPr>
+          <a:xfrm>
+            <a:off x="1470278" y="2072848"/>
+            <a:ext cx="570990" cy="338554"/>
+          </a:xfrm>
+          <a:prstGeom prst="rect">
+            <a:avLst/>
+          </a:prstGeom>
+          <a:noFill/>
+        </p:spPr>
+        <p:txBody>
+          <a:bodyPr wrap="none" rtlCol="0">
+            <a:spAutoFit/>
+          </a:bodyPr>
+          <a:lstStyle/>
+          <a:p>
+            <a:r>
+              <a:rPr lang="en-US" sz="1600" dirty="0"/>
+              <a:t>User</a:t>
+            </a:r>
+            <a:endParaRPr lang="en-US" sz="2400" dirty="0"/>
+          </a:p>
+        </p:txBody>
+      </p:sp>
+      <p:sp>
+        <p:nvSpPr>
+          <p:cNvPr id="13" name="TextBox 12">
+            <a:extLst>
+              <a:ext uri="{FF2B5EF4-FFF2-40B4-BE49-F238E27FC236}">
+                <a16:creationId xmlns:a16="http://schemas.microsoft.com/office/drawing/2014/main" id="{7DF0F4CF-440F-46D9-9484-7B558A20823D}"/>
+              </a:ext>
+            </a:extLst>
+          </p:cNvPr>
+          <p:cNvSpPr txBox="1"/>
+          <p:nvPr/>
+        </p:nvSpPr>
+        <p:spPr>
+          <a:xfrm>
+            <a:off x="7628990" y="3110739"/>
+            <a:ext cx="1831912" cy="338554"/>
+          </a:xfrm>
+          <a:prstGeom prst="rect">
+            <a:avLst/>
+          </a:prstGeom>
+          <a:noFill/>
+        </p:spPr>
+        <p:txBody>
+          <a:bodyPr wrap="none" rtlCol="0">
+            <a:spAutoFit/>
+          </a:bodyPr>
+          <a:lstStyle/>
+          <a:p>
+            <a:r>
+              <a:rPr lang="en-US" sz="1600" dirty="0"/>
+              <a:t>Generate checksum</a:t>
+            </a:r>
+            <a:endParaRPr lang="en-US" sz="1400" dirty="0"/>
+          </a:p>
+        </p:txBody>
+      </p:sp>
+      <p:sp>
+        <p:nvSpPr>
+          <p:cNvPr id="17" name="TextBox 16">
+            <a:extLst>
+              <a:ext uri="{FF2B5EF4-FFF2-40B4-BE49-F238E27FC236}">
+                <a16:creationId xmlns:a16="http://schemas.microsoft.com/office/drawing/2014/main" id="{92EB704F-6FC6-40AC-B8B6-F7D2A539BBEF}"/>
+              </a:ext>
+            </a:extLst>
+          </p:cNvPr>
+          <p:cNvSpPr txBox="1"/>
+          <p:nvPr/>
+        </p:nvSpPr>
+        <p:spPr>
+          <a:xfrm>
+            <a:off x="3662709" y="3857884"/>
+            <a:ext cx="1473610" cy="307777"/>
+          </a:xfrm>
+          <a:prstGeom prst="rect">
+            <a:avLst/>
+          </a:prstGeom>
+          <a:noFill/>
+        </p:spPr>
+        <p:txBody>
+          <a:bodyPr wrap="none" rtlCol="0">
+            <a:spAutoFit/>
+          </a:bodyPr>
+          <a:lstStyle/>
+          <a:p>
+            <a:pPr algn="ctr"/>
+            <a:r>
+              <a:rPr lang="en-US" sz="1400" dirty="0"/>
+              <a:t>Upload &amp; encrypt</a:t>
+            </a:r>
+          </a:p>
+        </p:txBody>
+      </p:sp>
+      <p:sp>
+        <p:nvSpPr>
+          <p:cNvPr id="20" name="TextBox 19">
+            <a:extLst>
+              <a:ext uri="{FF2B5EF4-FFF2-40B4-BE49-F238E27FC236}">
+                <a16:creationId xmlns:a16="http://schemas.microsoft.com/office/drawing/2014/main" id="{63304256-6655-45B1-86FA-274680AE3E50}"/>
+              </a:ext>
+            </a:extLst>
+          </p:cNvPr>
+          <p:cNvSpPr txBox="1"/>
+          <p:nvPr/>
+        </p:nvSpPr>
+        <p:spPr>
+          <a:xfrm>
+            <a:off x="1403547" y="4151800"/>
+            <a:ext cx="1184876" cy="307777"/>
+          </a:xfrm>
+          <a:prstGeom prst="rect">
+            <a:avLst/>
+          </a:prstGeom>
+          <a:noFill/>
+        </p:spPr>
+        <p:txBody>
+          <a:bodyPr wrap="none" rtlCol="0">
+            <a:spAutoFit/>
+          </a:bodyPr>
+          <a:lstStyle/>
+          <a:p>
+            <a:r>
+              <a:rPr lang="en-US" sz="1400" dirty="0"/>
+              <a:t>Checksum = a</a:t>
+            </a:r>
+          </a:p>
+        </p:txBody>
+      </p:sp>
+      <p:cxnSp>
+        <p:nvCxnSpPr>
+          <p:cNvPr id="27" name="Straight Arrow Connector 26">
+            <a:extLst>
+              <a:ext uri="{FF2B5EF4-FFF2-40B4-BE49-F238E27FC236}">
+                <a16:creationId xmlns:a16="http://schemas.microsoft.com/office/drawing/2014/main" id="{02030C44-94FB-4B79-8889-4CD0FEF57A76}"/>
+              </a:ext>
+            </a:extLst>
+          </p:cNvPr>
+          <p:cNvCxnSpPr>
+            <a:endCxn id="7" idx="1"/>
+          </p:cNvCxnSpPr>
+          <p:nvPr/>
+        </p:nvCxnSpPr>
+        <p:spPr>
+          <a:xfrm flipV="1">
+            <a:off x="2085412" y="3629181"/>
+            <a:ext cx="4121721" cy="466730"/>
+          </a:xfrm>
+          <a:prstGeom prst="straightConnector1">
+            <a:avLst/>
+          </a:prstGeom>
+          <a:ln>
+            <a:tailEnd type="triangle"/>
+          </a:ln>
+        </p:spPr>
+        <p:style>
+          <a:lnRef idx="1">
+            <a:schemeClr val="accent1"/>
+          </a:lnRef>
+          <a:fillRef idx="0">
+            <a:schemeClr val="accent1"/>
+          </a:fillRef>
+          <a:effectRef idx="0">
+            <a:schemeClr val="accent1"/>
+          </a:effectRef>
+          <a:fontRef idx="minor">
+            <a:schemeClr val="tx1"/>
+          </a:fontRef>
+        </p:style>
+      </p:cxnSp>
+      <p:cxnSp>
+        <p:nvCxnSpPr>
+          <p:cNvPr id="31" name="Straight Arrow Connector 30">
+            <a:extLst>
+              <a:ext uri="{FF2B5EF4-FFF2-40B4-BE49-F238E27FC236}">
+                <a16:creationId xmlns:a16="http://schemas.microsoft.com/office/drawing/2014/main" id="{D9FC1F6C-690B-4373-9DDB-29C8F94A2B86}"/>
+              </a:ext>
+            </a:extLst>
+          </p:cNvPr>
+          <p:cNvCxnSpPr/>
+          <p:nvPr/>
+        </p:nvCxnSpPr>
+        <p:spPr>
+          <a:xfrm>
+            <a:off x="7232078" y="3429000"/>
+            <a:ext cx="2610139" cy="0"/>
+          </a:xfrm>
+          <a:prstGeom prst="straightConnector1">
+            <a:avLst/>
+          </a:prstGeom>
+          <a:ln>
+            <a:tailEnd type="triangle"/>
+          </a:ln>
+        </p:spPr>
+        <p:style>
+          <a:lnRef idx="1">
+            <a:schemeClr val="accent1"/>
+          </a:lnRef>
+          <a:fillRef idx="0">
+            <a:schemeClr val="accent1"/>
+          </a:fillRef>
+          <a:effectRef idx="0">
+            <a:schemeClr val="accent1"/>
+          </a:effectRef>
+          <a:fontRef idx="minor">
+            <a:schemeClr val="tx1"/>
+          </a:fontRef>
+        </p:style>
+      </p:cxnSp>
+      <p:sp>
+        <p:nvSpPr>
+          <p:cNvPr id="33" name="TextBox 32">
+            <a:extLst>
+              <a:ext uri="{FF2B5EF4-FFF2-40B4-BE49-F238E27FC236}">
+                <a16:creationId xmlns:a16="http://schemas.microsoft.com/office/drawing/2014/main" id="{6B2F9530-9EAD-4701-9EC0-6D738EFD85DC}"/>
+              </a:ext>
+            </a:extLst>
+          </p:cNvPr>
+          <p:cNvSpPr txBox="1"/>
+          <p:nvPr/>
+        </p:nvSpPr>
+        <p:spPr>
+          <a:xfrm>
+            <a:off x="9306428" y="3884224"/>
+            <a:ext cx="1335302" cy="338554"/>
+          </a:xfrm>
+          <a:prstGeom prst="rect">
+            <a:avLst/>
+          </a:prstGeom>
+          <a:noFill/>
+        </p:spPr>
+        <p:txBody>
+          <a:bodyPr wrap="none" rtlCol="0">
+            <a:spAutoFit/>
+          </a:bodyPr>
+          <a:lstStyle/>
+          <a:p>
+            <a:r>
+              <a:rPr lang="en-US" sz="1600" dirty="0"/>
+              <a:t>Checksum = b</a:t>
+            </a:r>
+            <a:endParaRPr lang="en-US" sz="1400" dirty="0"/>
+          </a:p>
+        </p:txBody>
+      </p:sp>
+    </p:spTree>
+    <p:extLst>
+      <p:ext uri="{BB962C8B-B14F-4D97-AF65-F5344CB8AC3E}">
+        <p14:creationId xmlns:p14="http://schemas.microsoft.com/office/powerpoint/2010/main" val="3110138762"/>
+      </p:ext>
+    </p:extLst>
+  </p:cSld>
+  <p:clrMapOvr>
+    <a:masterClrMapping/>
+  </p:clrMapOvr>
+</p:sld>
+</file>
+
 <file path=ppt/theme/theme1.xml><?xml version="1.0" encoding="utf-8"?>
 <a:theme xmlns:a="http://schemas.openxmlformats.org/drawingml/2006/main" name="Office Theme">
   <a:themeElements>
